--- a/ProtecoFood.pptx
+++ b/ProtecoFood.pptx
@@ -11277,7 +11277,13 @@
               <a:t>Elaborada por </a:t>
             </a:r>
             <a:r>
-              <a:rPr lang="es-MX" dirty="0" err="1" smtClean="0"/>
+              <a:rPr lang="es-MX" sz="2200" dirty="0" err="1" smtClean="0">
+                <a:solidFill>
+                  <a:schemeClr val="accent2">
+                    <a:lumMod val="75000"/>
+                  </a:schemeClr>
+                </a:solidFill>
+              </a:rPr>
               <a:t>Prebesoft</a:t>
             </a:r>
             <a:r>
@@ -11292,11 +11298,7 @@
             <a:pPr algn="l"/>
             <a:r>
               <a:rPr lang="es-MX" dirty="0" smtClean="0"/>
-              <a:t>Colaboradores</a:t>
-            </a:r>
-            <a:r>
-              <a:rPr lang="es-MX" u="sng" dirty="0" smtClean="0"/>
-              <a:t>:</a:t>
+              <a:t>Colaboradores:</a:t>
             </a:r>
           </a:p>
           <a:p>
@@ -11362,7 +11364,12 @@
             <p:ph type="ctrTitle"/>
           </p:nvPr>
         </p:nvSpPr>
-        <p:spPr/>
+        <p:spPr>
+          <a:xfrm>
+            <a:off x="683568" y="188640"/>
+            <a:ext cx="7772400" cy="1752600"/>
+          </a:xfrm>
+        </p:spPr>
         <p:txBody>
           <a:bodyPr/>
           <a:lstStyle/>
@@ -11980,8 +11987,8 @@
         </p:blipFill>
         <p:spPr bwMode="auto">
           <a:xfrm>
-            <a:off x="2051720" y="2924944"/>
-            <a:ext cx="3888432" cy="2589973"/>
+            <a:off x="2195736" y="2996952"/>
+            <a:ext cx="3744416" cy="2494048"/>
           </a:xfrm>
           <a:prstGeom prst="rect">
             <a:avLst/>
@@ -12495,9 +12502,21 @@
           <a:p>
             <a:r>
               <a:rPr lang="es-MX" dirty="0" smtClean="0"/>
-              <a:t>Inversión inicial: $85,000.00 MXN</a:t>
+              <a:t>Inversión inicial: </a:t>
             </a:r>
-            <a:endParaRPr lang="es-MX" dirty="0"/>
+            <a:r>
+              <a:rPr lang="es-MX" b="1" dirty="0" smtClean="0"/>
+              <a:t>$</a:t>
+            </a:r>
+            <a:r>
+              <a:rPr lang="es-MX" b="1" dirty="0" smtClean="0"/>
+              <a:t>82,500.00 </a:t>
+            </a:r>
+            <a:r>
+              <a:rPr lang="es-MX" b="1" dirty="0" smtClean="0"/>
+              <a:t>MXN</a:t>
+            </a:r>
+            <a:endParaRPr lang="es-MX" b="1" dirty="0"/>
           </a:p>
         </p:txBody>
       </p:sp>
